--- a/i493 - It is Well with My Soul.pptx
+++ b/i493 - It is Well with My Soul.pptx
@@ -115,10 +115,6 @@
 </p:presentation>
 </file>
 
-<file path=ppt/revisionInfo.xml><?xml version="1.0" encoding="utf-8"?>
-<p1510:revInfo xmlns:a="http://schemas.openxmlformats.org/drawingml/2006/main" xmlns:r="http://schemas.openxmlformats.org/officeDocument/2006/relationships" xmlns:p1510="http://schemas.microsoft.com/office/powerpoint/2015/10/main"/>
-</file>
-
 <file path=ppt/slideLayouts/slideLayout1.xml><?xml version="1.0" encoding="utf-8"?>
 <p:sldLayout xmlns:a="http://schemas.openxmlformats.org/drawingml/2006/main" xmlns:r="http://schemas.openxmlformats.org/officeDocument/2006/relationships" xmlns:p="http://schemas.openxmlformats.org/presentationml/2006/main" type="title" preserve="1">
   <p:cSld name="Title Slide">
@@ -248,7 +244,7 @@
           <a:p>
             <a:fld id="{32F7251A-AE54-443C-B8FE-5F636E835EBF}" type="datetimeFigureOut">
               <a:rPr lang="en-US" smtClean="0"/>
-              <a:t>11/5/2017</a:t>
+              <a:t>6/7/2020</a:t>
             </a:fld>
             <a:endParaRPr lang="en-US"/>
           </a:p>
@@ -416,7 +412,7 @@
           <a:p>
             <a:fld id="{32F7251A-AE54-443C-B8FE-5F636E835EBF}" type="datetimeFigureOut">
               <a:rPr lang="en-US" smtClean="0"/>
-              <a:t>11/5/2017</a:t>
+              <a:t>6/7/2020</a:t>
             </a:fld>
             <a:endParaRPr lang="en-US"/>
           </a:p>
@@ -594,7 +590,7 @@
           <a:p>
             <a:fld id="{32F7251A-AE54-443C-B8FE-5F636E835EBF}" type="datetimeFigureOut">
               <a:rPr lang="en-US" smtClean="0"/>
-              <a:t>11/5/2017</a:t>
+              <a:t>6/7/2020</a:t>
             </a:fld>
             <a:endParaRPr lang="en-US"/>
           </a:p>
@@ -762,7 +758,7 @@
           <a:p>
             <a:fld id="{32F7251A-AE54-443C-B8FE-5F636E835EBF}" type="datetimeFigureOut">
               <a:rPr lang="en-US" smtClean="0"/>
-              <a:t>11/5/2017</a:t>
+              <a:t>6/7/2020</a:t>
             </a:fld>
             <a:endParaRPr lang="en-US"/>
           </a:p>
@@ -1007,7 +1003,7 @@
           <a:p>
             <a:fld id="{32F7251A-AE54-443C-B8FE-5F636E835EBF}" type="datetimeFigureOut">
               <a:rPr lang="en-US" smtClean="0"/>
-              <a:t>11/5/2017</a:t>
+              <a:t>6/7/2020</a:t>
             </a:fld>
             <a:endParaRPr lang="en-US"/>
           </a:p>
@@ -1236,7 +1232,7 @@
           <a:p>
             <a:fld id="{32F7251A-AE54-443C-B8FE-5F636E835EBF}" type="datetimeFigureOut">
               <a:rPr lang="en-US" smtClean="0"/>
-              <a:t>11/5/2017</a:t>
+              <a:t>6/7/2020</a:t>
             </a:fld>
             <a:endParaRPr lang="en-US"/>
           </a:p>
@@ -1600,7 +1596,7 @@
           <a:p>
             <a:fld id="{32F7251A-AE54-443C-B8FE-5F636E835EBF}" type="datetimeFigureOut">
               <a:rPr lang="en-US" smtClean="0"/>
-              <a:t>11/5/2017</a:t>
+              <a:t>6/7/2020</a:t>
             </a:fld>
             <a:endParaRPr lang="en-US"/>
           </a:p>
@@ -1717,7 +1713,7 @@
           <a:p>
             <a:fld id="{32F7251A-AE54-443C-B8FE-5F636E835EBF}" type="datetimeFigureOut">
               <a:rPr lang="en-US" smtClean="0"/>
-              <a:t>11/5/2017</a:t>
+              <a:t>6/7/2020</a:t>
             </a:fld>
             <a:endParaRPr lang="en-US"/>
           </a:p>
@@ -1812,7 +1808,7 @@
           <a:p>
             <a:fld id="{32F7251A-AE54-443C-B8FE-5F636E835EBF}" type="datetimeFigureOut">
               <a:rPr lang="en-US" smtClean="0"/>
-              <a:t>11/5/2017</a:t>
+              <a:t>6/7/2020</a:t>
             </a:fld>
             <a:endParaRPr lang="en-US"/>
           </a:p>
@@ -2087,7 +2083,7 @@
           <a:p>
             <a:fld id="{32F7251A-AE54-443C-B8FE-5F636E835EBF}" type="datetimeFigureOut">
               <a:rPr lang="en-US" smtClean="0"/>
-              <a:t>11/5/2017</a:t>
+              <a:t>6/7/2020</a:t>
             </a:fld>
             <a:endParaRPr lang="en-US"/>
           </a:p>
@@ -2339,7 +2335,7 @@
           <a:p>
             <a:fld id="{32F7251A-AE54-443C-B8FE-5F636E835EBF}" type="datetimeFigureOut">
               <a:rPr lang="en-US" smtClean="0"/>
-              <a:t>11/5/2017</a:t>
+              <a:t>6/7/2020</a:t>
             </a:fld>
             <a:endParaRPr lang="en-US"/>
           </a:p>
@@ -2406,7 +2402,9 @@
     <p:bg>
       <p:bgPr>
         <a:solidFill>
-          <a:srgbClr val="333333"/>
+          <a:schemeClr val="bg1">
+            <a:lumMod val="10000"/>
+          </a:schemeClr>
         </a:solidFill>
         <a:effectLst/>
       </p:bgPr>
@@ -2553,7 +2551,7 @@
           <a:p>
             <a:fld id="{32F7251A-AE54-443C-B8FE-5F636E835EBF}" type="datetimeFigureOut">
               <a:rPr lang="en-US" smtClean="0"/>
-              <a:t>11/5/2017</a:t>
+              <a:t>6/7/2020</a:t>
             </a:fld>
             <a:endParaRPr lang="en-US"/>
           </a:p>
@@ -3035,15 +3033,23 @@
           <a:bodyPr wrap="square" rtlCol="0" anchor="ctr">
             <a:spAutoFit/>
           </a:bodyPr>
-          <a:lstStyle/>
-          <a:p>
-            <a:pPr algn="ctr"/>
-            <a:r>
-              <a:rPr lang="en-US" sz="4800" dirty="0">
+          <a:lstStyle>
+            <a:defPPr>
+              <a:defRPr lang="en-US"/>
+            </a:defPPr>
+            <a:lvl1pPr algn="ctr">
+              <a:defRPr sz="3200" u="sng">
                 <a:solidFill>
                   <a:schemeClr val="bg1"/>
                 </a:solidFill>
-              </a:rPr>
+                <a:latin typeface="Assistant SemiBold" panose="00000700000000000000" pitchFamily="2" charset="-79"/>
+                <a:cs typeface="Assistant SemiBold" panose="00000700000000000000" pitchFamily="2" charset="-79"/>
+              </a:defRPr>
+            </a:lvl1pPr>
+          </a:lstStyle>
+          <a:p>
+            <a:r>
+              <a:rPr lang="en-US" dirty="0"/>
               <a:t>“It is Well with My Soul”</a:t>
             </a:r>
           </a:p>
@@ -3057,8 +3063,8 @@
         </p:nvSpPr>
         <p:spPr>
           <a:xfrm>
-            <a:off x="0" y="241468"/>
-            <a:ext cx="12192000" cy="5078313"/>
+            <a:off x="0" y="890249"/>
+            <a:ext cx="12192000" cy="2795866"/>
           </a:xfrm>
           <a:prstGeom prst="rect">
             <a:avLst/>
@@ -3069,116 +3075,76 @@
           <a:bodyPr wrap="square" rtlCol="0">
             <a:spAutoFit/>
           </a:bodyPr>
-          <a:lstStyle/>
-          <a:p>
-            <a:pPr algn="ctr"/>
-            <a:r>
-              <a:rPr lang="en-US" sz="3600" dirty="0">
+          <a:lstStyle>
+            <a:defPPr>
+              <a:defRPr lang="en-US"/>
+            </a:defPPr>
+            <a:lvl1pPr algn="ctr">
+              <a:defRPr sz="2800" spc="50">
                 <a:solidFill>
                   <a:schemeClr val="bg1"/>
                 </a:solidFill>
-              </a:rPr>
+                <a:latin typeface="Assistant" panose="00000500000000000000" pitchFamily="2" charset="-79"/>
+                <a:cs typeface="Assistant" panose="00000500000000000000" pitchFamily="2" charset="-79"/>
+              </a:defRPr>
+            </a:lvl1pPr>
+          </a:lstStyle>
+          <a:p>
+            <a:r>
+              <a:rPr lang="en-US" dirty="0"/>
               <a:t>When peace like a river </a:t>
             </a:r>
             <a:r>
-              <a:rPr lang="en-US" sz="3600" dirty="0" err="1">
-                <a:solidFill>
-                  <a:schemeClr val="bg1"/>
-                </a:solidFill>
-              </a:rPr>
+              <a:rPr lang="en-US" dirty="0" err="1"/>
               <a:t>attendeth</a:t>
             </a:r>
             <a:r>
-              <a:rPr lang="en-US" sz="3600" dirty="0">
-                <a:solidFill>
-                  <a:schemeClr val="bg1"/>
-                </a:solidFill>
-              </a:rPr>
+              <a:rPr lang="en-US" dirty="0"/>
               <a:t> my way,</a:t>
             </a:r>
           </a:p>
           <a:p>
-            <a:pPr algn="ctr"/>
-            <a:r>
-              <a:rPr lang="en-US" sz="3600" dirty="0">
-                <a:solidFill>
-                  <a:schemeClr val="bg1"/>
-                </a:solidFill>
-              </a:rPr>
+            <a:r>
+              <a:rPr lang="en-US" dirty="0"/>
               <a:t>When sorrows like sea billows roll;</a:t>
             </a:r>
           </a:p>
           <a:p>
-            <a:pPr algn="ctr"/>
-            <a:r>
-              <a:rPr lang="en-US" sz="3600" dirty="0">
-                <a:solidFill>
-                  <a:schemeClr val="bg1"/>
-                </a:solidFill>
-              </a:rPr>
+            <a:r>
+              <a:rPr lang="en-US" dirty="0"/>
               <a:t>Whatever my lot, Thou has taught me to say,</a:t>
             </a:r>
           </a:p>
           <a:p>
-            <a:pPr algn="ctr"/>
-            <a:r>
-              <a:rPr lang="en-US" sz="3600" dirty="0">
-                <a:solidFill>
-                  <a:schemeClr val="bg1"/>
-                </a:solidFill>
-              </a:rPr>
+            <a:r>
+              <a:rPr lang="en-US" dirty="0"/>
               <a:t>“It is well, it is well with my soul.”</a:t>
             </a:r>
           </a:p>
           <a:p>
-            <a:pPr algn="ctr"/>
-            <a:endParaRPr lang="en-US" sz="3600" dirty="0">
-              <a:solidFill>
-                <a:schemeClr val="bg1"/>
-              </a:solidFill>
-            </a:endParaRPr>
-          </a:p>
-          <a:p>
-            <a:pPr algn="ctr"/>
-            <a:r>
-              <a:rPr lang="en-US" sz="3600" dirty="0">
-                <a:solidFill>
-                  <a:schemeClr val="bg1"/>
-                </a:solidFill>
-              </a:rPr>
+            <a:endParaRPr lang="en-US" dirty="0"/>
+          </a:p>
+          <a:p>
+            <a:r>
+              <a:rPr lang="en-US" dirty="0"/>
               <a:t>It is well (it is well)</a:t>
             </a:r>
           </a:p>
           <a:p>
-            <a:pPr algn="ctr"/>
-            <a:r>
-              <a:rPr lang="en-US" sz="3600" dirty="0">
-                <a:solidFill>
-                  <a:schemeClr val="bg1"/>
-                </a:solidFill>
-              </a:rPr>
+            <a:r>
+              <a:rPr lang="en-US" dirty="0"/>
               <a:t>With my soul (with my soul),</a:t>
             </a:r>
           </a:p>
           <a:p>
-            <a:pPr algn="ctr"/>
-            <a:r>
-              <a:rPr lang="en-US" sz="3600" dirty="0">
-                <a:solidFill>
-                  <a:schemeClr val="bg1"/>
-                </a:solidFill>
-              </a:rPr>
+            <a:r>
+              <a:rPr lang="en-US" dirty="0"/>
               <a:t>It is well, it is well</a:t>
             </a:r>
           </a:p>
           <a:p>
-            <a:pPr algn="ctr"/>
-            <a:r>
-              <a:rPr lang="en-US" sz="3600" dirty="0">
-                <a:solidFill>
-                  <a:schemeClr val="bg1"/>
-                </a:solidFill>
-              </a:rPr>
+            <a:r>
+              <a:rPr lang="en-US" dirty="0"/>
               <a:t>with my soul.</a:t>
             </a:r>
           </a:p>
@@ -3291,15 +3257,23 @@
           <a:bodyPr wrap="square" rtlCol="0" anchor="ctr">
             <a:spAutoFit/>
           </a:bodyPr>
-          <a:lstStyle/>
-          <a:p>
-            <a:pPr algn="ctr"/>
-            <a:r>
-              <a:rPr lang="en-US" sz="4800" dirty="0">
+          <a:lstStyle>
+            <a:defPPr>
+              <a:defRPr lang="en-US"/>
+            </a:defPPr>
+            <a:lvl1pPr algn="ctr">
+              <a:defRPr sz="3200" u="sng">
                 <a:solidFill>
                   <a:schemeClr val="bg1"/>
                 </a:solidFill>
-              </a:rPr>
+                <a:latin typeface="Assistant SemiBold" panose="00000700000000000000" pitchFamily="2" charset="-79"/>
+                <a:cs typeface="Assistant SemiBold" panose="00000700000000000000" pitchFamily="2" charset="-79"/>
+              </a:defRPr>
+            </a:lvl1pPr>
+          </a:lstStyle>
+          <a:p>
+            <a:r>
+              <a:rPr lang="en-US" dirty="0"/>
               <a:t>“It is Well with My Soul”</a:t>
             </a:r>
           </a:p>
@@ -3313,8 +3287,8 @@
         </p:nvSpPr>
         <p:spPr>
           <a:xfrm>
-            <a:off x="0" y="241468"/>
-            <a:ext cx="12192000" cy="5078313"/>
+            <a:off x="0" y="890249"/>
+            <a:ext cx="12192000" cy="2795866"/>
           </a:xfrm>
           <a:prstGeom prst="rect">
             <a:avLst/>
@@ -3325,116 +3299,76 @@
           <a:bodyPr wrap="square" rtlCol="0">
             <a:spAutoFit/>
           </a:bodyPr>
-          <a:lstStyle/>
-          <a:p>
-            <a:pPr algn="ctr"/>
-            <a:r>
-              <a:rPr lang="en-US" sz="3600" dirty="0">
+          <a:lstStyle>
+            <a:defPPr>
+              <a:defRPr lang="en-US"/>
+            </a:defPPr>
+            <a:lvl1pPr algn="ctr">
+              <a:defRPr sz="2800" spc="50">
                 <a:solidFill>
                   <a:schemeClr val="bg1"/>
                 </a:solidFill>
-              </a:rPr>
+                <a:latin typeface="Assistant" panose="00000500000000000000" pitchFamily="2" charset="-79"/>
+                <a:cs typeface="Assistant" panose="00000500000000000000" pitchFamily="2" charset="-79"/>
+              </a:defRPr>
+            </a:lvl1pPr>
+          </a:lstStyle>
+          <a:p>
+            <a:r>
+              <a:rPr lang="en-US" dirty="0"/>
               <a:t>Though Satan should buffet, </a:t>
             </a:r>
             <a:r>
-              <a:rPr lang="en-US" sz="3600" dirty="0" err="1">
-                <a:solidFill>
-                  <a:schemeClr val="bg1"/>
-                </a:solidFill>
-              </a:rPr>
+              <a:rPr lang="en-US" dirty="0" err="1"/>
               <a:t>tho</a:t>
             </a:r>
             <a:r>
-              <a:rPr lang="en-US" sz="3600" dirty="0">
-                <a:solidFill>
-                  <a:schemeClr val="bg1"/>
-                </a:solidFill>
-              </a:rPr>
+              <a:rPr lang="en-US" dirty="0"/>
               <a:t>’ trials should come,</a:t>
             </a:r>
           </a:p>
           <a:p>
-            <a:pPr algn="ctr"/>
-            <a:r>
-              <a:rPr lang="en-US" sz="3600" dirty="0">
-                <a:solidFill>
-                  <a:schemeClr val="bg1"/>
-                </a:solidFill>
-              </a:rPr>
+            <a:r>
+              <a:rPr lang="en-US" dirty="0"/>
               <a:t>Let this blest assurance control,</a:t>
             </a:r>
           </a:p>
           <a:p>
-            <a:pPr algn="ctr"/>
-            <a:r>
-              <a:rPr lang="en-US" sz="3600" dirty="0">
-                <a:solidFill>
-                  <a:schemeClr val="bg1"/>
-                </a:solidFill>
-              </a:rPr>
+            <a:r>
+              <a:rPr lang="en-US" dirty="0"/>
               <a:t>That Christ has regarded my helpless estate,</a:t>
             </a:r>
           </a:p>
           <a:p>
-            <a:pPr algn="ctr"/>
-            <a:r>
-              <a:rPr lang="en-US" sz="3600" dirty="0">
-                <a:solidFill>
-                  <a:schemeClr val="bg1"/>
-                </a:solidFill>
-              </a:rPr>
+            <a:r>
+              <a:rPr lang="en-US" dirty="0"/>
               <a:t>And hath shed His own blood for my soul.</a:t>
             </a:r>
           </a:p>
           <a:p>
-            <a:pPr algn="ctr"/>
-            <a:endParaRPr lang="en-US" sz="3600" dirty="0">
-              <a:solidFill>
-                <a:schemeClr val="bg1"/>
-              </a:solidFill>
-            </a:endParaRPr>
-          </a:p>
-          <a:p>
-            <a:pPr algn="ctr"/>
-            <a:r>
-              <a:rPr lang="en-US" sz="3600" dirty="0">
-                <a:solidFill>
-                  <a:schemeClr val="bg1"/>
-                </a:solidFill>
-              </a:rPr>
+            <a:endParaRPr lang="en-US" dirty="0"/>
+          </a:p>
+          <a:p>
+            <a:r>
+              <a:rPr lang="en-US" dirty="0"/>
               <a:t>It is well (it is well)</a:t>
             </a:r>
           </a:p>
           <a:p>
-            <a:pPr algn="ctr"/>
-            <a:r>
-              <a:rPr lang="en-US" sz="3600" dirty="0">
-                <a:solidFill>
-                  <a:schemeClr val="bg1"/>
-                </a:solidFill>
-              </a:rPr>
+            <a:r>
+              <a:rPr lang="en-US" dirty="0"/>
               <a:t>With my soul (with my soul),</a:t>
             </a:r>
           </a:p>
           <a:p>
-            <a:pPr algn="ctr"/>
-            <a:r>
-              <a:rPr lang="en-US" sz="3600" dirty="0">
-                <a:solidFill>
-                  <a:schemeClr val="bg1"/>
-                </a:solidFill>
-              </a:rPr>
+            <a:r>
+              <a:rPr lang="en-US" dirty="0"/>
               <a:t>It is well, it is well</a:t>
             </a:r>
           </a:p>
           <a:p>
-            <a:pPr algn="ctr"/>
-            <a:r>
-              <a:rPr lang="en-US" sz="3600" dirty="0">
-                <a:solidFill>
-                  <a:schemeClr val="bg1"/>
-                </a:solidFill>
-              </a:rPr>
+            <a:r>
+              <a:rPr lang="en-US" dirty="0"/>
               <a:t>with my soul.</a:t>
             </a:r>
           </a:p>
@@ -3547,15 +3481,23 @@
           <a:bodyPr wrap="square" rtlCol="0" anchor="ctr">
             <a:spAutoFit/>
           </a:bodyPr>
-          <a:lstStyle/>
-          <a:p>
-            <a:pPr algn="ctr"/>
-            <a:r>
-              <a:rPr lang="en-US" sz="4800" dirty="0">
+          <a:lstStyle>
+            <a:defPPr>
+              <a:defRPr lang="en-US"/>
+            </a:defPPr>
+            <a:lvl1pPr algn="ctr">
+              <a:defRPr sz="3200" u="sng">
                 <a:solidFill>
                   <a:schemeClr val="bg1"/>
                 </a:solidFill>
-              </a:rPr>
+                <a:latin typeface="Assistant SemiBold" panose="00000700000000000000" pitchFamily="2" charset="-79"/>
+                <a:cs typeface="Assistant SemiBold" panose="00000700000000000000" pitchFamily="2" charset="-79"/>
+              </a:defRPr>
+            </a:lvl1pPr>
+          </a:lstStyle>
+          <a:p>
+            <a:r>
+              <a:rPr lang="en-US" dirty="0"/>
               <a:t>“It is Well with My Soul”</a:t>
             </a:r>
           </a:p>
@@ -3569,8 +3511,8 @@
         </p:nvSpPr>
         <p:spPr>
           <a:xfrm>
-            <a:off x="0" y="241468"/>
-            <a:ext cx="12192000" cy="5078313"/>
+            <a:off x="0" y="890249"/>
+            <a:ext cx="12192000" cy="2795866"/>
           </a:xfrm>
           <a:prstGeom prst="rect">
             <a:avLst/>
@@ -3581,100 +3523,68 @@
           <a:bodyPr wrap="square" rtlCol="0">
             <a:spAutoFit/>
           </a:bodyPr>
-          <a:lstStyle/>
-          <a:p>
-            <a:pPr algn="ctr"/>
-            <a:r>
-              <a:rPr lang="en-US" sz="3600" dirty="0">
+          <a:lstStyle>
+            <a:defPPr>
+              <a:defRPr lang="en-US"/>
+            </a:defPPr>
+            <a:lvl1pPr algn="ctr">
+              <a:defRPr sz="2800" spc="50">
                 <a:solidFill>
                   <a:schemeClr val="bg1"/>
                 </a:solidFill>
-              </a:rPr>
+                <a:latin typeface="Assistant" panose="00000500000000000000" pitchFamily="2" charset="-79"/>
+                <a:cs typeface="Assistant" panose="00000500000000000000" pitchFamily="2" charset="-79"/>
+              </a:defRPr>
+            </a:lvl1pPr>
+          </a:lstStyle>
+          <a:p>
+            <a:r>
+              <a:rPr lang="en-US" dirty="0"/>
               <a:t>My sin– O, the bliss of this glorious thought,</a:t>
             </a:r>
           </a:p>
           <a:p>
-            <a:pPr algn="ctr"/>
-            <a:r>
-              <a:rPr lang="en-US" sz="3600" dirty="0">
-                <a:solidFill>
-                  <a:schemeClr val="bg1"/>
-                </a:solidFill>
-              </a:rPr>
+            <a:r>
+              <a:rPr lang="en-US" dirty="0"/>
               <a:t>My sin– not in part, but the whole,</a:t>
             </a:r>
           </a:p>
           <a:p>
-            <a:pPr algn="ctr"/>
-            <a:r>
-              <a:rPr lang="en-US" sz="3600" dirty="0">
-                <a:solidFill>
-                  <a:schemeClr val="bg1"/>
-                </a:solidFill>
-              </a:rPr>
+            <a:r>
+              <a:rPr lang="en-US" dirty="0"/>
               <a:t>Is nailed to the cross and I bear it no more,</a:t>
             </a:r>
           </a:p>
           <a:p>
-            <a:pPr algn="ctr"/>
-            <a:r>
-              <a:rPr lang="en-US" sz="3600" dirty="0">
-                <a:solidFill>
-                  <a:schemeClr val="bg1"/>
-                </a:solidFill>
-              </a:rPr>
+            <a:r>
+              <a:rPr lang="en-US" dirty="0"/>
               <a:t>Praise the Lord, Praise the Lord, O my soul!</a:t>
             </a:r>
           </a:p>
           <a:p>
-            <a:pPr algn="ctr"/>
-            <a:endParaRPr lang="en-US" sz="3600" dirty="0">
-              <a:solidFill>
-                <a:schemeClr val="bg1"/>
-              </a:solidFill>
-            </a:endParaRPr>
-          </a:p>
-          <a:p>
-            <a:pPr algn="ctr"/>
-            <a:r>
-              <a:rPr lang="en-US" sz="3600" dirty="0">
-                <a:solidFill>
-                  <a:schemeClr val="bg1"/>
-                </a:solidFill>
-              </a:rPr>
+            <a:endParaRPr lang="en-US" dirty="0"/>
+          </a:p>
+          <a:p>
+            <a:r>
+              <a:rPr lang="en-US" dirty="0"/>
               <a:t>It is well (it is well)</a:t>
             </a:r>
           </a:p>
           <a:p>
-            <a:pPr algn="ctr"/>
-            <a:r>
-              <a:rPr lang="en-US" sz="3600" dirty="0">
-                <a:solidFill>
-                  <a:schemeClr val="bg1"/>
-                </a:solidFill>
-              </a:rPr>
+            <a:r>
+              <a:rPr lang="en-US" dirty="0"/>
               <a:t>With my soul (with my soul),</a:t>
             </a:r>
           </a:p>
           <a:p>
-            <a:pPr algn="ctr"/>
-            <a:r>
-              <a:rPr lang="en-US" sz="3600" dirty="0">
-                <a:solidFill>
-                  <a:schemeClr val="bg1"/>
-                </a:solidFill>
-              </a:rPr>
+            <a:r>
+              <a:rPr lang="en-US" dirty="0"/>
               <a:t>It is well, it is well</a:t>
             </a:r>
           </a:p>
           <a:p>
-            <a:pPr algn="ctr"/>
-            <a:r>
-              <a:rPr lang="en-US" sz="3600" dirty="0">
-                <a:solidFill>
-                  <a:schemeClr val="bg1"/>
-                </a:solidFill>
-              </a:rPr>
+            <a:r>
+              <a:rPr lang="en-US" dirty="0"/>
               <a:t>with my soul.</a:t>
             </a:r>
           </a:p>
@@ -3787,15 +3697,23 @@
           <a:bodyPr wrap="square" rtlCol="0" anchor="ctr">
             <a:spAutoFit/>
           </a:bodyPr>
-          <a:lstStyle/>
-          <a:p>
-            <a:pPr algn="ctr"/>
-            <a:r>
-              <a:rPr lang="en-US" sz="4800" dirty="0">
+          <a:lstStyle>
+            <a:defPPr>
+              <a:defRPr lang="en-US"/>
+            </a:defPPr>
+            <a:lvl1pPr algn="ctr">
+              <a:defRPr sz="3200" u="sng">
                 <a:solidFill>
                   <a:schemeClr val="bg1"/>
                 </a:solidFill>
-              </a:rPr>
+                <a:latin typeface="Assistant SemiBold" panose="00000700000000000000" pitchFamily="2" charset="-79"/>
+                <a:cs typeface="Assistant SemiBold" panose="00000700000000000000" pitchFamily="2" charset="-79"/>
+              </a:defRPr>
+            </a:lvl1pPr>
+          </a:lstStyle>
+          <a:p>
+            <a:r>
+              <a:rPr lang="en-US" dirty="0"/>
               <a:t>“It is Well with My Soul”</a:t>
             </a:r>
           </a:p>
@@ -3809,8 +3727,8 @@
         </p:nvSpPr>
         <p:spPr>
           <a:xfrm>
-            <a:off x="0" y="241468"/>
-            <a:ext cx="12192000" cy="5078313"/>
+            <a:off x="0" y="890249"/>
+            <a:ext cx="12192000" cy="2795866"/>
           </a:xfrm>
           <a:prstGeom prst="rect">
             <a:avLst/>
@@ -3821,100 +3739,68 @@
           <a:bodyPr wrap="square" rtlCol="0">
             <a:spAutoFit/>
           </a:bodyPr>
-          <a:lstStyle/>
-          <a:p>
-            <a:pPr algn="ctr"/>
-            <a:r>
-              <a:rPr lang="en-US" sz="3600" dirty="0">
+          <a:lstStyle>
+            <a:defPPr>
+              <a:defRPr lang="en-US"/>
+            </a:defPPr>
+            <a:lvl1pPr algn="ctr">
+              <a:defRPr sz="2800" spc="50">
                 <a:solidFill>
                   <a:schemeClr val="bg1"/>
                 </a:solidFill>
-              </a:rPr>
+                <a:latin typeface="Assistant" panose="00000500000000000000" pitchFamily="2" charset="-79"/>
+                <a:cs typeface="Assistant" panose="00000500000000000000" pitchFamily="2" charset="-79"/>
+              </a:defRPr>
+            </a:lvl1pPr>
+          </a:lstStyle>
+          <a:p>
+            <a:r>
+              <a:rPr lang="en-US" dirty="0"/>
               <a:t>And, Lord, haste the day when the faith shall be sight,</a:t>
             </a:r>
           </a:p>
           <a:p>
-            <a:pPr algn="ctr"/>
-            <a:r>
-              <a:rPr lang="en-US" sz="3600" dirty="0">
-                <a:solidFill>
-                  <a:schemeClr val="bg1"/>
-                </a:solidFill>
-              </a:rPr>
+            <a:r>
+              <a:rPr lang="en-US" dirty="0"/>
               <a:t>The clouds be rolled back as a scroll,</a:t>
             </a:r>
           </a:p>
           <a:p>
-            <a:pPr algn="ctr"/>
-            <a:r>
-              <a:rPr lang="en-US" sz="3600" dirty="0">
-                <a:solidFill>
-                  <a:schemeClr val="bg1"/>
-                </a:solidFill>
-              </a:rPr>
+            <a:r>
+              <a:rPr lang="en-US" dirty="0"/>
               <a:t>The trump shall resound and the Lord shall descend,</a:t>
             </a:r>
           </a:p>
           <a:p>
-            <a:pPr algn="ctr"/>
-            <a:r>
-              <a:rPr lang="en-US" sz="3600" dirty="0">
-                <a:solidFill>
-                  <a:schemeClr val="bg1"/>
-                </a:solidFill>
-              </a:rPr>
+            <a:r>
+              <a:rPr lang="en-US" dirty="0"/>
               <a:t>“Even so”– It is well with my soul.</a:t>
             </a:r>
           </a:p>
           <a:p>
-            <a:pPr algn="ctr"/>
-            <a:endParaRPr lang="en-US" sz="3600" dirty="0">
-              <a:solidFill>
-                <a:schemeClr val="bg1"/>
-              </a:solidFill>
-            </a:endParaRPr>
-          </a:p>
-          <a:p>
-            <a:pPr algn="ctr"/>
-            <a:r>
-              <a:rPr lang="en-US" sz="3600" dirty="0">
-                <a:solidFill>
-                  <a:schemeClr val="bg1"/>
-                </a:solidFill>
-              </a:rPr>
+            <a:endParaRPr lang="en-US" dirty="0"/>
+          </a:p>
+          <a:p>
+            <a:r>
+              <a:rPr lang="en-US" dirty="0"/>
               <a:t>It is well (it is well)</a:t>
             </a:r>
           </a:p>
           <a:p>
-            <a:pPr algn="ctr"/>
-            <a:r>
-              <a:rPr lang="en-US" sz="3600" dirty="0">
-                <a:solidFill>
-                  <a:schemeClr val="bg1"/>
-                </a:solidFill>
-              </a:rPr>
+            <a:r>
+              <a:rPr lang="en-US" dirty="0"/>
               <a:t>With my soul (with my soul),</a:t>
             </a:r>
           </a:p>
           <a:p>
-            <a:pPr algn="ctr"/>
-            <a:r>
-              <a:rPr lang="en-US" sz="3600" dirty="0">
-                <a:solidFill>
-                  <a:schemeClr val="bg1"/>
-                </a:solidFill>
-              </a:rPr>
+            <a:r>
+              <a:rPr lang="en-US" dirty="0"/>
               <a:t>It is well, it is well</a:t>
             </a:r>
           </a:p>
           <a:p>
-            <a:pPr algn="ctr"/>
-            <a:r>
-              <a:rPr lang="en-US" sz="3600" dirty="0">
-                <a:solidFill>
-                  <a:schemeClr val="bg1"/>
-                </a:solidFill>
-              </a:rPr>
+            <a:r>
+              <a:rPr lang="en-US" dirty="0"/>
               <a:t>with my soul.</a:t>
             </a:r>
           </a:p>
